--- a/TheExperts_презентация_.pptx
+++ b/TheExperts_презентация_.pptx
@@ -20,8 +20,7 @@
     <p:sldId id="268" r:id="rId14"/>
     <p:sldId id="269" r:id="rId15"/>
     <p:sldId id="270" r:id="rId16"/>
-    <p:sldId id="271" r:id="rId17"/>
-    <p:sldId id="272" r:id="rId18"/>
+    <p:sldId id="272" r:id="rId17"/>
   </p:sldIdLst>
   <p:sldSz cx="12192000" cy="6858000"/>
   <p:notesSz cx="6858000" cy="9144000"/>
@@ -275,7 +274,7 @@
           <a:p>
             <a:fld id="{FC75566D-6022-1742-8A3B-DF342E66CEBB}" type="datetimeFigureOut">
               <a:rPr lang="ru-RU" smtClean="0"/>
-              <a:t>28.04.2019</a:t>
+              <a:t>29.04.2019</a:t>
             </a:fld>
             <a:endParaRPr lang="ru-RU"/>
           </a:p>
@@ -473,7 +472,7 @@
           <a:p>
             <a:fld id="{FC75566D-6022-1742-8A3B-DF342E66CEBB}" type="datetimeFigureOut">
               <a:rPr lang="ru-RU" smtClean="0"/>
-              <a:t>28.04.2019</a:t>
+              <a:t>29.04.2019</a:t>
             </a:fld>
             <a:endParaRPr lang="ru-RU"/>
           </a:p>
@@ -681,7 +680,7 @@
           <a:p>
             <a:fld id="{FC75566D-6022-1742-8A3B-DF342E66CEBB}" type="datetimeFigureOut">
               <a:rPr lang="ru-RU" smtClean="0"/>
-              <a:t>28.04.2019</a:t>
+              <a:t>29.04.2019</a:t>
             </a:fld>
             <a:endParaRPr lang="ru-RU"/>
           </a:p>
@@ -879,7 +878,7 @@
           <a:p>
             <a:fld id="{FC75566D-6022-1742-8A3B-DF342E66CEBB}" type="datetimeFigureOut">
               <a:rPr lang="ru-RU" smtClean="0"/>
-              <a:t>28.04.2019</a:t>
+              <a:t>29.04.2019</a:t>
             </a:fld>
             <a:endParaRPr lang="ru-RU"/>
           </a:p>
@@ -1154,7 +1153,7 @@
           <a:p>
             <a:fld id="{FC75566D-6022-1742-8A3B-DF342E66CEBB}" type="datetimeFigureOut">
               <a:rPr lang="ru-RU" smtClean="0"/>
-              <a:t>28.04.2019</a:t>
+              <a:t>29.04.2019</a:t>
             </a:fld>
             <a:endParaRPr lang="ru-RU"/>
           </a:p>
@@ -1419,7 +1418,7 @@
           <a:p>
             <a:fld id="{FC75566D-6022-1742-8A3B-DF342E66CEBB}" type="datetimeFigureOut">
               <a:rPr lang="ru-RU" smtClean="0"/>
-              <a:t>28.04.2019</a:t>
+              <a:t>29.04.2019</a:t>
             </a:fld>
             <a:endParaRPr lang="ru-RU"/>
           </a:p>
@@ -1831,7 +1830,7 @@
           <a:p>
             <a:fld id="{FC75566D-6022-1742-8A3B-DF342E66CEBB}" type="datetimeFigureOut">
               <a:rPr lang="ru-RU" smtClean="0"/>
-              <a:t>28.04.2019</a:t>
+              <a:t>29.04.2019</a:t>
             </a:fld>
             <a:endParaRPr lang="ru-RU"/>
           </a:p>
@@ -1972,7 +1971,7 @@
           <a:p>
             <a:fld id="{FC75566D-6022-1742-8A3B-DF342E66CEBB}" type="datetimeFigureOut">
               <a:rPr lang="ru-RU" smtClean="0"/>
-              <a:t>28.04.2019</a:t>
+              <a:t>29.04.2019</a:t>
             </a:fld>
             <a:endParaRPr lang="ru-RU"/>
           </a:p>
@@ -2085,7 +2084,7 @@
           <a:p>
             <a:fld id="{FC75566D-6022-1742-8A3B-DF342E66CEBB}" type="datetimeFigureOut">
               <a:rPr lang="ru-RU" smtClean="0"/>
-              <a:t>28.04.2019</a:t>
+              <a:t>29.04.2019</a:t>
             </a:fld>
             <a:endParaRPr lang="ru-RU"/>
           </a:p>
@@ -2396,7 +2395,7 @@
           <a:p>
             <a:fld id="{FC75566D-6022-1742-8A3B-DF342E66CEBB}" type="datetimeFigureOut">
               <a:rPr lang="ru-RU" smtClean="0"/>
-              <a:t>28.04.2019</a:t>
+              <a:t>29.04.2019</a:t>
             </a:fld>
             <a:endParaRPr lang="ru-RU"/>
           </a:p>
@@ -2684,7 +2683,7 @@
           <a:p>
             <a:fld id="{FC75566D-6022-1742-8A3B-DF342E66CEBB}" type="datetimeFigureOut">
               <a:rPr lang="ru-RU" smtClean="0"/>
-              <a:t>28.04.2019</a:t>
+              <a:t>29.04.2019</a:t>
             </a:fld>
             <a:endParaRPr lang="ru-RU"/>
           </a:p>
@@ -2925,7 +2924,7 @@
           <a:p>
             <a:fld id="{FC75566D-6022-1742-8A3B-DF342E66CEBB}" type="datetimeFigureOut">
               <a:rPr lang="ru-RU" smtClean="0"/>
-              <a:t>28.04.2019</a:t>
+              <a:t>29.04.2019</a:t>
             </a:fld>
             <a:endParaRPr lang="ru-RU"/>
           </a:p>
@@ -3494,11 +3493,11 @@
           <a:lstStyle/>
           <a:p>
             <a:r>
-              <a:rPr lang="ru-RU" dirty="0" err="1"/>
+              <a:rPr lang="ru-RU" b="1" dirty="0" err="1"/>
               <a:t>Трунцев</a:t>
             </a:r>
             <a:r>
-              <a:rPr lang="ru-RU" dirty="0"/>
+              <a:rPr lang="ru-RU" b="1" dirty="0"/>
               <a:t>  Георгий</a:t>
             </a:r>
           </a:p>
@@ -3520,12 +3519,50 @@
             <p:ph idx="1"/>
           </p:nvPr>
         </p:nvSpPr>
-        <p:spPr/>
-        <p:txBody>
-          <a:bodyPr/>
-          <a:lstStyle/>
-          <a:p>
-            <a:endParaRPr lang="ru-RU" dirty="0"/>
+        <p:spPr>
+          <a:xfrm>
+            <a:off x="838200" y="2289858"/>
+            <a:ext cx="10515600" cy="4351338"/>
+          </a:xfrm>
+        </p:spPr>
+        <p:txBody>
+          <a:bodyPr>
+            <a:normAutofit/>
+          </a:bodyPr>
+          <a:lstStyle/>
+          <a:p>
+            <a:r>
+              <a:rPr lang="ru-RU" sz="3600" dirty="0"/>
+              <a:t> </a:t>
+            </a:r>
+            <a:r>
+              <a:rPr lang="ru-RU" sz="3200" dirty="0"/>
+              <a:t>Создание удобного интерфейса</a:t>
+            </a:r>
+          </a:p>
+          <a:p>
+            <a:pPr marL="0" indent="0">
+              <a:buNone/>
+            </a:pPr>
+            <a:endParaRPr lang="ru-RU" sz="3200" dirty="0"/>
+          </a:p>
+          <a:p>
+            <a:r>
+              <a:rPr lang="ru-RU" sz="3200" dirty="0"/>
+              <a:t> Связь кнопок приложения с функциями бота </a:t>
+            </a:r>
+          </a:p>
+          <a:p>
+            <a:pPr marL="0" indent="0">
+              <a:buNone/>
+            </a:pPr>
+            <a:endParaRPr lang="ru-RU" sz="3200" dirty="0"/>
+          </a:p>
+          <a:p>
+            <a:r>
+              <a:rPr lang="ru-RU" sz="3200" dirty="0"/>
+              <a:t> Тестирование. </a:t>
+            </a:r>
           </a:p>
         </p:txBody>
       </p:sp>
@@ -3577,11 +3614,13 @@
         </p:nvSpPr>
         <p:spPr/>
         <p:txBody>
-          <a:bodyPr/>
-          <a:lstStyle/>
-          <a:p>
-            <a:r>
-              <a:rPr lang="ru-RU" dirty="0"/>
+          <a:bodyPr>
+            <a:normAutofit/>
+          </a:bodyPr>
+          <a:lstStyle/>
+          <a:p>
+            <a:r>
+              <a:rPr lang="ru-RU" b="1" dirty="0"/>
               <a:t>Воякин  Алексей</a:t>
             </a:r>
           </a:p>
@@ -3603,12 +3642,39 @@
             <p:ph idx="1"/>
           </p:nvPr>
         </p:nvSpPr>
-        <p:spPr/>
-        <p:txBody>
-          <a:bodyPr/>
-          <a:lstStyle/>
-          <a:p>
-            <a:endParaRPr lang="ru-RU"/>
+        <p:spPr>
+          <a:xfrm>
+            <a:off x="838200" y="2410753"/>
+            <a:ext cx="10515600" cy="4351338"/>
+          </a:xfrm>
+        </p:spPr>
+        <p:txBody>
+          <a:bodyPr/>
+          <a:lstStyle/>
+          <a:p>
+            <a:r>
+              <a:rPr lang="ru-RU" sz="3200" i="1" dirty="0"/>
+              <a:t>Создание баз данных и налаживание их с серверами</a:t>
+            </a:r>
+          </a:p>
+          <a:p>
+            <a:pPr marL="0" indent="0">
+              <a:buNone/>
+            </a:pPr>
+            <a:r>
+              <a:rPr lang="ru-RU" sz="3200" i="1" dirty="0"/>
+              <a:t> </a:t>
+            </a:r>
+          </a:p>
+          <a:p>
+            <a:r>
+              <a:rPr lang="ru-RU" sz="3200" i="1" dirty="0"/>
+              <a:t>Тестирование.</a:t>
+            </a:r>
+            <a:endParaRPr lang="ru-RU" sz="3200" dirty="0"/>
+          </a:p>
+          <a:p>
+            <a:endParaRPr lang="ru-RU" dirty="0"/>
           </a:p>
         </p:txBody>
       </p:sp>
@@ -3664,11 +3730,11 @@
           <a:lstStyle/>
           <a:p>
             <a:r>
-              <a:rPr lang="ru-RU" dirty="0" err="1"/>
+              <a:rPr lang="ru-RU" b="1" dirty="0" err="1"/>
               <a:t>Шевнин</a:t>
             </a:r>
             <a:r>
-              <a:rPr lang="ru-RU" dirty="0"/>
+              <a:rPr lang="ru-RU" b="1" dirty="0"/>
               <a:t>   Артем</a:t>
             </a:r>
           </a:p>
@@ -3690,12 +3756,34 @@
             <p:ph idx="1"/>
           </p:nvPr>
         </p:nvSpPr>
-        <p:spPr/>
-        <p:txBody>
-          <a:bodyPr/>
-          <a:lstStyle/>
-          <a:p>
-            <a:endParaRPr lang="ru-RU"/>
+        <p:spPr>
+          <a:xfrm>
+            <a:off x="838200" y="2141537"/>
+            <a:ext cx="10515600" cy="4351338"/>
+          </a:xfrm>
+        </p:spPr>
+        <p:txBody>
+          <a:bodyPr>
+            <a:normAutofit/>
+          </a:bodyPr>
+          <a:lstStyle/>
+          <a:p>
+            <a:r>
+              <a:rPr lang="ru-RU" sz="3200" i="1" dirty="0"/>
+              <a:t>Написание кода, отвечающего за функционал связанный с объявлениями</a:t>
+            </a:r>
+          </a:p>
+          <a:p>
+            <a:pPr marL="0" indent="0">
+              <a:buNone/>
+            </a:pPr>
+            <a:endParaRPr lang="ru-RU" sz="3200" i="1" dirty="0"/>
+          </a:p>
+          <a:p>
+            <a:r>
+              <a:rPr lang="ru-RU" sz="3200" i="1" dirty="0"/>
+              <a:t> Тестирование. </a:t>
+            </a:r>
           </a:p>
         </p:txBody>
       </p:sp>
@@ -3751,7 +3839,7 @@
           <a:lstStyle/>
           <a:p>
             <a:r>
-              <a:rPr lang="ru-RU" dirty="0"/>
+              <a:rPr lang="ru-RU" b="1" dirty="0"/>
               <a:t>Воробьев Семен</a:t>
             </a:r>
           </a:p>
@@ -3773,12 +3861,34 @@
             <p:ph idx="1"/>
           </p:nvPr>
         </p:nvSpPr>
-        <p:spPr/>
-        <p:txBody>
-          <a:bodyPr/>
-          <a:lstStyle/>
-          <a:p>
-            <a:endParaRPr lang="ru-RU"/>
+        <p:spPr>
+          <a:xfrm>
+            <a:off x="838200" y="2141537"/>
+            <a:ext cx="10515600" cy="4351338"/>
+          </a:xfrm>
+        </p:spPr>
+        <p:txBody>
+          <a:bodyPr>
+            <a:normAutofit/>
+          </a:bodyPr>
+          <a:lstStyle/>
+          <a:p>
+            <a:r>
+              <a:rPr lang="ru-RU" sz="3200" dirty="0"/>
+              <a:t> Работа с серверами и базами данных</a:t>
+            </a:r>
+          </a:p>
+          <a:p>
+            <a:pPr marL="0" indent="0">
+              <a:buNone/>
+            </a:pPr>
+            <a:endParaRPr lang="ru-RU" sz="3200" dirty="0"/>
+          </a:p>
+          <a:p>
+            <a:r>
+              <a:rPr lang="ru-RU" sz="3200" dirty="0"/>
+              <a:t> Тестирование. </a:t>
+            </a:r>
           </a:p>
         </p:txBody>
       </p:sp>
@@ -3834,11 +3944,11 @@
           <a:lstStyle/>
           <a:p>
             <a:r>
-              <a:rPr lang="ru-RU" dirty="0" err="1"/>
+              <a:rPr lang="ru-RU" b="1" dirty="0" err="1"/>
               <a:t>Лемешкин</a:t>
             </a:r>
             <a:r>
-              <a:rPr lang="ru-RU" dirty="0"/>
+              <a:rPr lang="ru-RU" b="1" dirty="0"/>
               <a:t> Богдан </a:t>
             </a:r>
             <a:br>
@@ -3864,12 +3974,36 @@
             <p:ph idx="1"/>
           </p:nvPr>
         </p:nvSpPr>
-        <p:spPr/>
-        <p:txBody>
-          <a:bodyPr/>
-          <a:lstStyle/>
-          <a:p>
-            <a:endParaRPr lang="ru-RU"/>
+        <p:spPr>
+          <a:xfrm>
+            <a:off x="697523" y="2424821"/>
+            <a:ext cx="10515600" cy="4351338"/>
+          </a:xfrm>
+        </p:spPr>
+        <p:txBody>
+          <a:bodyPr/>
+          <a:lstStyle/>
+          <a:p>
+            <a:r>
+              <a:rPr lang="ru-RU" sz="3200" i="1" dirty="0"/>
+              <a:t>Написание кода, отвечающего за функционал связанный с вопросами</a:t>
+            </a:r>
+          </a:p>
+          <a:p>
+            <a:pPr marL="0" indent="0">
+              <a:buNone/>
+            </a:pPr>
+            <a:endParaRPr lang="ru-RU" sz="3200" i="1" dirty="0"/>
+          </a:p>
+          <a:p>
+            <a:r>
+              <a:rPr lang="ru-RU" sz="3200" i="1" dirty="0"/>
+              <a:t> Тестирование.</a:t>
+            </a:r>
+            <a:endParaRPr lang="ru-RU" sz="3200" dirty="0"/>
+          </a:p>
+          <a:p>
+            <a:endParaRPr lang="ru-RU" dirty="0"/>
           </a:p>
         </p:txBody>
       </p:sp>
@@ -3964,13 +4098,21 @@
           <a:p>
             <a:r>
               <a:rPr lang="ru-RU" dirty="0"/>
-              <a:t> База данных - ?????</a:t>
-            </a:r>
-          </a:p>
-          <a:p>
+              <a:t> База данных – </a:t>
+            </a:r>
             <a:r>
               <a:rPr lang="en-US" dirty="0"/>
-              <a:t> Messenger</a:t>
+              <a:t>SQLite</a:t>
+            </a:r>
+            <a:r>
+              <a:rPr lang="ru-RU" dirty="0"/>
+              <a:t> </a:t>
+            </a:r>
+          </a:p>
+          <a:p>
+            <a:r>
+              <a:rPr lang="en-US" dirty="0"/>
+              <a:t>Messenger</a:t>
             </a:r>
             <a:r>
               <a:rPr lang="ru-RU" dirty="0"/>
@@ -4019,90 +4161,6 @@
           <p:cNvPr id="2" name="Заголовок 1">
             <a:extLst>
               <a:ext uri="{FF2B5EF4-FFF2-40B4-BE49-F238E27FC236}">
-                <a16:creationId xmlns:a16="http://schemas.microsoft.com/office/drawing/2014/main" id="{9AA1AF6D-0BA7-4B4C-A186-DBFCE82BBDF2}"/>
-              </a:ext>
-            </a:extLst>
-          </p:cNvPr>
-          <p:cNvSpPr>
-            <a:spLocks noGrp="1"/>
-          </p:cNvSpPr>
-          <p:nvPr>
-            <p:ph type="title"/>
-          </p:nvPr>
-        </p:nvSpPr>
-        <p:spPr/>
-        <p:txBody>
-          <a:bodyPr/>
-          <a:lstStyle/>
-          <a:p>
-            <a:pPr algn="ctr"/>
-            <a:r>
-              <a:rPr lang="ru-RU" dirty="0"/>
-              <a:t>Календарный план</a:t>
-            </a:r>
-          </a:p>
-        </p:txBody>
-      </p:sp>
-      <p:sp>
-        <p:nvSpPr>
-          <p:cNvPr id="3" name="Объект 2">
-            <a:extLst>
-              <a:ext uri="{FF2B5EF4-FFF2-40B4-BE49-F238E27FC236}">
-                <a16:creationId xmlns:a16="http://schemas.microsoft.com/office/drawing/2014/main" id="{538BF3D7-7D51-4147-AF23-9011887EB64F}"/>
-              </a:ext>
-            </a:extLst>
-          </p:cNvPr>
-          <p:cNvSpPr>
-            <a:spLocks noGrp="1"/>
-          </p:cNvSpPr>
-          <p:nvPr>
-            <p:ph idx="1"/>
-          </p:nvPr>
-        </p:nvSpPr>
-        <p:spPr/>
-        <p:txBody>
-          <a:bodyPr/>
-          <a:lstStyle/>
-          <a:p>
-            <a:endParaRPr lang="ru-RU"/>
-          </a:p>
-        </p:txBody>
-      </p:sp>
-    </p:spTree>
-    <p:extLst>
-      <p:ext uri="{BB962C8B-B14F-4D97-AF65-F5344CB8AC3E}">
-        <p14:creationId xmlns:p14="http://schemas.microsoft.com/office/powerpoint/2010/main" val="2712155949"/>
-      </p:ext>
-    </p:extLst>
-  </p:cSld>
-  <p:clrMapOvr>
-    <a:masterClrMapping/>
-  </p:clrMapOvr>
-</p:sld>
-</file>
-
-<file path=ppt/slides/slide17.xml><?xml version="1.0" encoding="utf-8"?>
-<p:sld xmlns:a="http://schemas.openxmlformats.org/drawingml/2006/main" xmlns:r="http://schemas.openxmlformats.org/officeDocument/2006/relationships" xmlns:p="http://schemas.openxmlformats.org/presentationml/2006/main">
-  <p:cSld>
-    <p:spTree>
-      <p:nvGrpSpPr>
-        <p:cNvPr id="1" name=""/>
-        <p:cNvGrpSpPr/>
-        <p:nvPr/>
-      </p:nvGrpSpPr>
-      <p:grpSpPr>
-        <a:xfrm>
-          <a:off x="0" y="0"/>
-          <a:ext cx="0" cy="0"/>
-          <a:chOff x="0" y="0"/>
-          <a:chExt cx="0" cy="0"/>
-        </a:xfrm>
-      </p:grpSpPr>
-      <p:sp>
-        <p:nvSpPr>
-          <p:cNvPr id="2" name="Заголовок 1">
-            <a:extLst>
-              <a:ext uri="{FF2B5EF4-FFF2-40B4-BE49-F238E27FC236}">
                 <a16:creationId xmlns:a16="http://schemas.microsoft.com/office/drawing/2014/main" id="{AD8890F8-FFE0-6243-80F8-DA4C80AABCED}"/>
               </a:ext>
             </a:extLst>
@@ -4434,15 +4492,414 @@
             <p:ph idx="1"/>
           </p:nvPr>
         </p:nvSpPr>
-        <p:spPr/>
-        <p:txBody>
-          <a:bodyPr/>
-          <a:lstStyle/>
-          <a:p>
-            <a:endParaRPr lang="ru-RU"/>
-          </a:p>
-        </p:txBody>
-      </p:sp>
+        <p:spPr>
+          <a:xfrm>
+            <a:off x="838200" y="1386645"/>
+            <a:ext cx="6026834" cy="608086"/>
+          </a:xfrm>
+        </p:spPr>
+        <p:txBody>
+          <a:bodyPr>
+            <a:normAutofit/>
+          </a:bodyPr>
+          <a:lstStyle/>
+          <a:p>
+            <a:pPr marL="0" indent="0">
+              <a:buNone/>
+            </a:pPr>
+            <a:r>
+              <a:rPr lang="en-US" dirty="0"/>
+              <a:t>Notepad-Bot</a:t>
+            </a:r>
+            <a:r>
+              <a:rPr lang="ru-RU" dirty="0"/>
+              <a:t> (</a:t>
+            </a:r>
+            <a:r>
+              <a:rPr lang="en-US" dirty="0"/>
+              <a:t>@tg_notepad_bot)</a:t>
+            </a:r>
+            <a:endParaRPr lang="ru-RU" dirty="0"/>
+          </a:p>
+        </p:txBody>
+      </p:sp>
+      <p:graphicFrame>
+        <p:nvGraphicFramePr>
+          <p:cNvPr id="4" name="Таблица 3">
+            <a:extLst>
+              <a:ext uri="{FF2B5EF4-FFF2-40B4-BE49-F238E27FC236}">
+                <a16:creationId xmlns:a16="http://schemas.microsoft.com/office/drawing/2014/main" id="{797B0713-97C7-9640-A957-051AA410B1E4}"/>
+              </a:ext>
+            </a:extLst>
+          </p:cNvPr>
+          <p:cNvGraphicFramePr>
+            <a:graphicFrameLocks noGrp="1"/>
+          </p:cNvGraphicFramePr>
+          <p:nvPr>
+            <p:extLst>
+              <p:ext uri="{D42A27DB-BD31-4B8C-83A1-F6EECF244321}">
+                <p14:modId xmlns:p14="http://schemas.microsoft.com/office/powerpoint/2010/main" val="396457918"/>
+              </p:ext>
+            </p:extLst>
+          </p:nvPr>
+        </p:nvGraphicFramePr>
+        <p:xfrm>
+          <a:off x="1298917" y="1994731"/>
+          <a:ext cx="9594166" cy="3527158"/>
+        </p:xfrm>
+        <a:graphic>
+          <a:graphicData uri="http://schemas.openxmlformats.org/drawingml/2006/table">
+            <a:tbl>
+              <a:tblPr firstRow="1" bandRow="1">
+                <a:tableStyleId>{5C22544A-7EE6-4342-B048-85BDC9FD1C3A}</a:tableStyleId>
+              </a:tblPr>
+              <a:tblGrid>
+                <a:gridCol w="4485191">
+                  <a:extLst>
+                    <a:ext uri="{9D8B030D-6E8A-4147-A177-3AD203B41FA5}">
+                      <a16:colId xmlns:a16="http://schemas.microsoft.com/office/drawing/2014/main" val="294583413"/>
+                    </a:ext>
+                  </a:extLst>
+                </a:gridCol>
+                <a:gridCol w="2181985">
+                  <a:extLst>
+                    <a:ext uri="{9D8B030D-6E8A-4147-A177-3AD203B41FA5}">
+                      <a16:colId xmlns:a16="http://schemas.microsoft.com/office/drawing/2014/main" val="1502179361"/>
+                    </a:ext>
+                  </a:extLst>
+                </a:gridCol>
+                <a:gridCol w="2926990">
+                  <a:extLst>
+                    <a:ext uri="{9D8B030D-6E8A-4147-A177-3AD203B41FA5}">
+                      <a16:colId xmlns:a16="http://schemas.microsoft.com/office/drawing/2014/main" val="2950757227"/>
+                    </a:ext>
+                  </a:extLst>
+                </a:gridCol>
+              </a:tblGrid>
+              <a:tr h="595145">
+                <a:tc>
+                  <a:txBody>
+                    <a:bodyPr/>
+                    <a:lstStyle/>
+                    <a:p>
+                      <a:r>
+                        <a:rPr lang="ru-RU" dirty="0"/>
+                        <a:t>Категория</a:t>
+                      </a:r>
+                    </a:p>
+                  </a:txBody>
+                  <a:tcPr/>
+                </a:tc>
+                <a:tc>
+                  <a:txBody>
+                    <a:bodyPr/>
+                    <a:lstStyle/>
+                    <a:p>
+                      <a:pPr marL="0" marR="0" lvl="0" indent="0" algn="l" defTabSz="914400" rtl="0" eaLnBrk="1" fontAlgn="auto" latinLnBrk="0" hangingPunct="1">
+                        <a:lnSpc>
+                          <a:spcPct val="100000"/>
+                        </a:lnSpc>
+                        <a:spcBef>
+                          <a:spcPts val="0"/>
+                        </a:spcBef>
+                        <a:spcAft>
+                          <a:spcPts val="0"/>
+                        </a:spcAft>
+                        <a:buClrTx/>
+                        <a:buSzTx/>
+                        <a:buFontTx/>
+                        <a:buNone/>
+                        <a:tabLst/>
+                        <a:defRPr/>
+                      </a:pPr>
+                      <a:r>
+                        <a:rPr lang="en-US" dirty="0"/>
+                        <a:t>Notepad-Bot</a:t>
+                      </a:r>
+                      <a:endParaRPr lang="ru-RU" dirty="0"/>
+                    </a:p>
+                  </a:txBody>
+                  <a:tcPr/>
+                </a:tc>
+                <a:tc>
+                  <a:txBody>
+                    <a:bodyPr/>
+                    <a:lstStyle/>
+                    <a:p>
+                      <a:r>
+                        <a:rPr lang="ru-RU" dirty="0"/>
+                        <a:t> </a:t>
+                      </a:r>
+                      <a:r>
+                        <a:rPr lang="en-US" dirty="0" err="1"/>
+                        <a:t>QuestNoteSave</a:t>
+                      </a:r>
+                      <a:r>
+                        <a:rPr lang="en-US" dirty="0"/>
+                        <a:t>-Bot</a:t>
+                      </a:r>
+                      <a:endParaRPr lang="ru-RU" dirty="0"/>
+                    </a:p>
+                  </a:txBody>
+                  <a:tcPr/>
+                </a:tc>
+                <a:extLst>
+                  <a:ext uri="{0D108BD9-81ED-4DB2-BD59-A6C34878D82A}">
+                    <a16:rowId xmlns:a16="http://schemas.microsoft.com/office/drawing/2014/main" val="4073218789"/>
+                  </a:ext>
+                </a:extLst>
+              </a:tr>
+              <a:tr h="502135">
+                <a:tc>
+                  <a:txBody>
+                    <a:bodyPr/>
+                    <a:lstStyle/>
+                    <a:p>
+                      <a:r>
+                        <a:rPr lang="ru-RU" dirty="0"/>
+                        <a:t>Сохранение записей</a:t>
+                      </a:r>
+                    </a:p>
+                  </a:txBody>
+                  <a:tcPr/>
+                </a:tc>
+                <a:tc>
+                  <a:txBody>
+                    <a:bodyPr/>
+                    <a:lstStyle/>
+                    <a:p>
+                      <a:pPr algn="ctr"/>
+                      <a:r>
+                        <a:rPr lang="ru-RU" dirty="0"/>
+                        <a:t>+</a:t>
+                      </a:r>
+                    </a:p>
+                  </a:txBody>
+                  <a:tcPr/>
+                </a:tc>
+                <a:tc>
+                  <a:txBody>
+                    <a:bodyPr/>
+                    <a:lstStyle/>
+                    <a:p>
+                      <a:pPr algn="ctr"/>
+                      <a:r>
+                        <a:rPr lang="ru-RU" dirty="0"/>
+                        <a:t>+</a:t>
+                      </a:r>
+                    </a:p>
+                  </a:txBody>
+                  <a:tcPr/>
+                </a:tc>
+                <a:extLst>
+                  <a:ext uri="{0D108BD9-81ED-4DB2-BD59-A6C34878D82A}">
+                    <a16:rowId xmlns:a16="http://schemas.microsoft.com/office/drawing/2014/main" val="238026188"/>
+                  </a:ext>
+                </a:extLst>
+              </a:tr>
+              <a:tr h="887434">
+                <a:tc>
+                  <a:txBody>
+                    <a:bodyPr/>
+                    <a:lstStyle/>
+                    <a:p>
+                      <a:r>
+                        <a:rPr lang="ru-RU" dirty="0"/>
+                        <a:t>Дифференцирование записей</a:t>
+                      </a:r>
+                    </a:p>
+                    <a:p>
+                      <a:r>
+                        <a:rPr lang="ru-RU" dirty="0"/>
+                        <a:t>(вопросы / объявления)</a:t>
+                      </a:r>
+                    </a:p>
+                  </a:txBody>
+                  <a:tcPr/>
+                </a:tc>
+                <a:tc>
+                  <a:txBody>
+                    <a:bodyPr/>
+                    <a:lstStyle/>
+                    <a:p>
+                      <a:pPr algn="ctr"/>
+                      <a:r>
+                        <a:rPr lang="ru-RU" dirty="0"/>
+                        <a:t>-</a:t>
+                      </a:r>
+                    </a:p>
+                  </a:txBody>
+                  <a:tcPr/>
+                </a:tc>
+                <a:tc>
+                  <a:txBody>
+                    <a:bodyPr/>
+                    <a:lstStyle/>
+                    <a:p>
+                      <a:pPr algn="ctr"/>
+                      <a:r>
+                        <a:rPr lang="ru-RU" dirty="0"/>
+                        <a:t>+</a:t>
+                      </a:r>
+                    </a:p>
+                  </a:txBody>
+                  <a:tcPr/>
+                </a:tc>
+                <a:extLst>
+                  <a:ext uri="{0D108BD9-81ED-4DB2-BD59-A6C34878D82A}">
+                    <a16:rowId xmlns:a16="http://schemas.microsoft.com/office/drawing/2014/main" val="2759245104"/>
+                  </a:ext>
+                </a:extLst>
+              </a:tr>
+              <a:tr h="514148">
+                <a:tc>
+                  <a:txBody>
+                    <a:bodyPr/>
+                    <a:lstStyle/>
+                    <a:p>
+                      <a:r>
+                        <a:rPr lang="ru-RU" dirty="0"/>
+                        <a:t>Работа с одним пользователем</a:t>
+                      </a:r>
+                    </a:p>
+                  </a:txBody>
+                  <a:tcPr/>
+                </a:tc>
+                <a:tc>
+                  <a:txBody>
+                    <a:bodyPr/>
+                    <a:lstStyle/>
+                    <a:p>
+                      <a:pPr algn="ctr"/>
+                      <a:r>
+                        <a:rPr lang="ru-RU" dirty="0"/>
+                        <a:t>+</a:t>
+                      </a:r>
+                    </a:p>
+                  </a:txBody>
+                  <a:tcPr/>
+                </a:tc>
+                <a:tc>
+                  <a:txBody>
+                    <a:bodyPr/>
+                    <a:lstStyle/>
+                    <a:p>
+                      <a:pPr algn="ctr"/>
+                      <a:r>
+                        <a:rPr lang="ru-RU" dirty="0"/>
+                        <a:t>+</a:t>
+                      </a:r>
+                    </a:p>
+                  </a:txBody>
+                  <a:tcPr/>
+                </a:tc>
+                <a:extLst>
+                  <a:ext uri="{0D108BD9-81ED-4DB2-BD59-A6C34878D82A}">
+                    <a16:rowId xmlns:a16="http://schemas.microsoft.com/office/drawing/2014/main" val="2460895127"/>
+                  </a:ext>
+                </a:extLst>
+              </a:tr>
+              <a:tr h="514148">
+                <a:tc>
+                  <a:txBody>
+                    <a:bodyPr/>
+                    <a:lstStyle/>
+                    <a:p>
+                      <a:r>
+                        <a:rPr lang="ru-RU" dirty="0"/>
+                        <a:t>Работа в группе/каналах</a:t>
+                      </a:r>
+                    </a:p>
+                  </a:txBody>
+                  <a:tcPr/>
+                </a:tc>
+                <a:tc>
+                  <a:txBody>
+                    <a:bodyPr/>
+                    <a:lstStyle/>
+                    <a:p>
+                      <a:pPr algn="ctr"/>
+                      <a:r>
+                        <a:rPr lang="en-US" dirty="0"/>
+                        <a:t>-</a:t>
+                      </a:r>
+                      <a:endParaRPr lang="ru-RU" dirty="0"/>
+                    </a:p>
+                  </a:txBody>
+                  <a:tcPr/>
+                </a:tc>
+                <a:tc>
+                  <a:txBody>
+                    <a:bodyPr/>
+                    <a:lstStyle/>
+                    <a:p>
+                      <a:pPr algn="ctr"/>
+                      <a:r>
+                        <a:rPr lang="ru-RU" dirty="0"/>
+                        <a:t>+</a:t>
+                      </a:r>
+                    </a:p>
+                  </a:txBody>
+                  <a:tcPr/>
+                </a:tc>
+                <a:extLst>
+                  <a:ext uri="{0D108BD9-81ED-4DB2-BD59-A6C34878D82A}">
+                    <a16:rowId xmlns:a16="http://schemas.microsoft.com/office/drawing/2014/main" val="2988170636"/>
+                  </a:ext>
+                </a:extLst>
+              </a:tr>
+              <a:tr h="514148">
+                <a:tc>
+                  <a:txBody>
+                    <a:bodyPr/>
+                    <a:lstStyle/>
+                    <a:p>
+                      <a:r>
+                        <a:rPr lang="ru-RU" dirty="0"/>
+                        <a:t>Кнопочный интерфейс</a:t>
+                      </a:r>
+                    </a:p>
+                  </a:txBody>
+                  <a:tcPr/>
+                </a:tc>
+                <a:tc>
+                  <a:txBody>
+                    <a:bodyPr/>
+                    <a:lstStyle/>
+                    <a:p>
+                      <a:pPr algn="ctr"/>
+                      <a:r>
+                        <a:rPr lang="ru-RU" dirty="0"/>
+                        <a:t>+</a:t>
+                      </a:r>
+                    </a:p>
+                  </a:txBody>
+                  <a:tcPr/>
+                </a:tc>
+                <a:tc>
+                  <a:txBody>
+                    <a:bodyPr/>
+                    <a:lstStyle/>
+                    <a:p>
+                      <a:pPr algn="ctr"/>
+                      <a:r>
+                        <a:rPr lang="ru-RU" dirty="0"/>
+                        <a:t>+</a:t>
+                      </a:r>
+                    </a:p>
+                  </a:txBody>
+                  <a:tcPr/>
+                </a:tc>
+                <a:extLst>
+                  <a:ext uri="{0D108BD9-81ED-4DB2-BD59-A6C34878D82A}">
+                    <a16:rowId xmlns:a16="http://schemas.microsoft.com/office/drawing/2014/main" val="2259604772"/>
+                  </a:ext>
+                </a:extLst>
+              </a:tr>
+            </a:tbl>
+          </a:graphicData>
+        </a:graphic>
+      </p:graphicFrame>
     </p:spTree>
     <p:extLst>
       <p:ext uri="{BB962C8B-B14F-4D97-AF65-F5344CB8AC3E}">

--- a/TheExperts_презентация_.pptx
+++ b/TheExperts_презентация_.pptx
@@ -13,14 +13,13 @@
     <p:sldId id="261" r:id="rId7"/>
     <p:sldId id="262" r:id="rId8"/>
     <p:sldId id="263" r:id="rId9"/>
-    <p:sldId id="264" r:id="rId10"/>
-    <p:sldId id="265" r:id="rId11"/>
-    <p:sldId id="266" r:id="rId12"/>
-    <p:sldId id="267" r:id="rId13"/>
-    <p:sldId id="268" r:id="rId14"/>
-    <p:sldId id="269" r:id="rId15"/>
-    <p:sldId id="270" r:id="rId16"/>
-    <p:sldId id="272" r:id="rId17"/>
+    <p:sldId id="265" r:id="rId10"/>
+    <p:sldId id="266" r:id="rId11"/>
+    <p:sldId id="267" r:id="rId12"/>
+    <p:sldId id="268" r:id="rId13"/>
+    <p:sldId id="269" r:id="rId14"/>
+    <p:sldId id="270" r:id="rId15"/>
+    <p:sldId id="272" r:id="rId16"/>
   </p:sldIdLst>
   <p:sldSz cx="12192000" cy="6858000"/>
   <p:notesSz cx="6858000" cy="9144000"/>
@@ -274,7 +273,7 @@
           <a:p>
             <a:fld id="{FC75566D-6022-1742-8A3B-DF342E66CEBB}" type="datetimeFigureOut">
               <a:rPr lang="ru-RU" smtClean="0"/>
-              <a:t>29.04.2019</a:t>
+              <a:t>30.04.2019</a:t>
             </a:fld>
             <a:endParaRPr lang="ru-RU"/>
           </a:p>
@@ -472,7 +471,7 @@
           <a:p>
             <a:fld id="{FC75566D-6022-1742-8A3B-DF342E66CEBB}" type="datetimeFigureOut">
               <a:rPr lang="ru-RU" smtClean="0"/>
-              <a:t>29.04.2019</a:t>
+              <a:t>30.04.2019</a:t>
             </a:fld>
             <a:endParaRPr lang="ru-RU"/>
           </a:p>
@@ -680,7 +679,7 @@
           <a:p>
             <a:fld id="{FC75566D-6022-1742-8A3B-DF342E66CEBB}" type="datetimeFigureOut">
               <a:rPr lang="ru-RU" smtClean="0"/>
-              <a:t>29.04.2019</a:t>
+              <a:t>30.04.2019</a:t>
             </a:fld>
             <a:endParaRPr lang="ru-RU"/>
           </a:p>
@@ -878,7 +877,7 @@
           <a:p>
             <a:fld id="{FC75566D-6022-1742-8A3B-DF342E66CEBB}" type="datetimeFigureOut">
               <a:rPr lang="ru-RU" smtClean="0"/>
-              <a:t>29.04.2019</a:t>
+              <a:t>30.04.2019</a:t>
             </a:fld>
             <a:endParaRPr lang="ru-RU"/>
           </a:p>
@@ -1153,7 +1152,7 @@
           <a:p>
             <a:fld id="{FC75566D-6022-1742-8A3B-DF342E66CEBB}" type="datetimeFigureOut">
               <a:rPr lang="ru-RU" smtClean="0"/>
-              <a:t>29.04.2019</a:t>
+              <a:t>30.04.2019</a:t>
             </a:fld>
             <a:endParaRPr lang="ru-RU"/>
           </a:p>
@@ -1418,7 +1417,7 @@
           <a:p>
             <a:fld id="{FC75566D-6022-1742-8A3B-DF342E66CEBB}" type="datetimeFigureOut">
               <a:rPr lang="ru-RU" smtClean="0"/>
-              <a:t>29.04.2019</a:t>
+              <a:t>30.04.2019</a:t>
             </a:fld>
             <a:endParaRPr lang="ru-RU"/>
           </a:p>
@@ -1830,7 +1829,7 @@
           <a:p>
             <a:fld id="{FC75566D-6022-1742-8A3B-DF342E66CEBB}" type="datetimeFigureOut">
               <a:rPr lang="ru-RU" smtClean="0"/>
-              <a:t>29.04.2019</a:t>
+              <a:t>30.04.2019</a:t>
             </a:fld>
             <a:endParaRPr lang="ru-RU"/>
           </a:p>
@@ -1971,7 +1970,7 @@
           <a:p>
             <a:fld id="{FC75566D-6022-1742-8A3B-DF342E66CEBB}" type="datetimeFigureOut">
               <a:rPr lang="ru-RU" smtClean="0"/>
-              <a:t>29.04.2019</a:t>
+              <a:t>30.04.2019</a:t>
             </a:fld>
             <a:endParaRPr lang="ru-RU"/>
           </a:p>
@@ -2084,7 +2083,7 @@
           <a:p>
             <a:fld id="{FC75566D-6022-1742-8A3B-DF342E66CEBB}" type="datetimeFigureOut">
               <a:rPr lang="ru-RU" smtClean="0"/>
-              <a:t>29.04.2019</a:t>
+              <a:t>30.04.2019</a:t>
             </a:fld>
             <a:endParaRPr lang="ru-RU"/>
           </a:p>
@@ -2395,7 +2394,7 @@
           <a:p>
             <a:fld id="{FC75566D-6022-1742-8A3B-DF342E66CEBB}" type="datetimeFigureOut">
               <a:rPr lang="ru-RU" smtClean="0"/>
-              <a:t>29.04.2019</a:t>
+              <a:t>30.04.2019</a:t>
             </a:fld>
             <a:endParaRPr lang="ru-RU"/>
           </a:p>
@@ -2683,7 +2682,7 @@
           <a:p>
             <a:fld id="{FC75566D-6022-1742-8A3B-DF342E66CEBB}" type="datetimeFigureOut">
               <a:rPr lang="ru-RU" smtClean="0"/>
-              <a:t>29.04.2019</a:t>
+              <a:t>30.04.2019</a:t>
             </a:fld>
             <a:endParaRPr lang="ru-RU"/>
           </a:p>
@@ -2924,7 +2923,7 @@
           <a:p>
             <a:fld id="{FC75566D-6022-1742-8A3B-DF342E66CEBB}" type="datetimeFigureOut">
               <a:rPr lang="ru-RU" smtClean="0"/>
-              <a:t>29.04.2019</a:t>
+              <a:t>30.04.2019</a:t>
             </a:fld>
             <a:endParaRPr lang="ru-RU"/>
           </a:p>
@@ -3476,7 +3475,7 @@
           <p:cNvPr id="2" name="Заголовок 1">
             <a:extLst>
               <a:ext uri="{FF2B5EF4-FFF2-40B4-BE49-F238E27FC236}">
-                <a16:creationId xmlns:a16="http://schemas.microsoft.com/office/drawing/2014/main" id="{72823CF9-4A49-3D40-9A5F-07B1F18BBDAD}"/>
+                <a16:creationId xmlns:a16="http://schemas.microsoft.com/office/drawing/2014/main" id="{2D307101-CB4E-4342-B4D3-EC25C0528E92}"/>
               </a:ext>
             </a:extLst>
           </p:cNvPr>
@@ -3489,16 +3488,14 @@
         </p:nvSpPr>
         <p:spPr/>
         <p:txBody>
-          <a:bodyPr/>
-          <a:lstStyle/>
-          <a:p>
-            <a:r>
-              <a:rPr lang="ru-RU" b="1" dirty="0" err="1"/>
-              <a:t>Трунцев</a:t>
-            </a:r>
+          <a:bodyPr>
+            <a:normAutofit/>
+          </a:bodyPr>
+          <a:lstStyle/>
+          <a:p>
             <a:r>
               <a:rPr lang="ru-RU" b="1" dirty="0"/>
-              <a:t>  Георгий</a:t>
+              <a:t>Воякин  Алексей</a:t>
             </a:r>
           </a:p>
         </p:txBody>
@@ -3508,7 +3505,7 @@
           <p:cNvPr id="3" name="Объект 2">
             <a:extLst>
               <a:ext uri="{FF2B5EF4-FFF2-40B4-BE49-F238E27FC236}">
-                <a16:creationId xmlns:a16="http://schemas.microsoft.com/office/drawing/2014/main" id="{D4348394-6BF7-7E4F-BA59-256DCC019ED3}"/>
+                <a16:creationId xmlns:a16="http://schemas.microsoft.com/office/drawing/2014/main" id="{85896007-97E6-DB45-AC92-D4214F1152F2}"/>
               </a:ext>
             </a:extLst>
           </p:cNvPr>
@@ -3521,55 +3518,44 @@
         </p:nvSpPr>
         <p:spPr>
           <a:xfrm>
-            <a:off x="838200" y="2289858"/>
+            <a:off x="838200" y="2410753"/>
             <a:ext cx="10515600" cy="4351338"/>
           </a:xfrm>
         </p:spPr>
         <p:txBody>
-          <a:bodyPr>
-            <a:normAutofit/>
-          </a:bodyPr>
-          <a:lstStyle/>
-          <a:p>
-            <a:r>
-              <a:rPr lang="ru-RU" sz="3600" dirty="0"/>
+          <a:bodyPr/>
+          <a:lstStyle/>
+          <a:p>
+            <a:r>
+              <a:rPr lang="ru-RU" sz="3200" i="1" dirty="0"/>
+              <a:t>Создание баз данных и налаживание их с серверами</a:t>
+            </a:r>
+          </a:p>
+          <a:p>
+            <a:pPr marL="0" indent="0">
+              <a:buNone/>
+            </a:pPr>
+            <a:r>
+              <a:rPr lang="ru-RU" sz="3200" i="1" dirty="0"/>
               <a:t> </a:t>
             </a:r>
-            <a:r>
-              <a:rPr lang="ru-RU" sz="3200" dirty="0"/>
-              <a:t>Создание удобного интерфейса</a:t>
-            </a:r>
-          </a:p>
-          <a:p>
-            <a:pPr marL="0" indent="0">
-              <a:buNone/>
-            </a:pPr>
+          </a:p>
+          <a:p>
+            <a:r>
+              <a:rPr lang="ru-RU" sz="3200" i="1" dirty="0"/>
+              <a:t>Тестирование.</a:t>
+            </a:r>
             <a:endParaRPr lang="ru-RU" sz="3200" dirty="0"/>
           </a:p>
           <a:p>
-            <a:r>
-              <a:rPr lang="ru-RU" sz="3200" dirty="0"/>
-              <a:t> Связь кнопок приложения с функциями бота </a:t>
-            </a:r>
-          </a:p>
-          <a:p>
-            <a:pPr marL="0" indent="0">
-              <a:buNone/>
-            </a:pPr>
-            <a:endParaRPr lang="ru-RU" sz="3200" dirty="0"/>
-          </a:p>
-          <a:p>
-            <a:r>
-              <a:rPr lang="ru-RU" sz="3200" dirty="0"/>
-              <a:t> Тестирование. </a:t>
-            </a:r>
+            <a:endParaRPr lang="ru-RU" dirty="0"/>
           </a:p>
         </p:txBody>
       </p:sp>
     </p:spTree>
     <p:extLst>
       <p:ext uri="{BB962C8B-B14F-4D97-AF65-F5344CB8AC3E}">
-        <p14:creationId xmlns:p14="http://schemas.microsoft.com/office/powerpoint/2010/main" val="348112190"/>
+        <p14:creationId xmlns:p14="http://schemas.microsoft.com/office/powerpoint/2010/main" val="440869954"/>
       </p:ext>
     </p:extLst>
   </p:cSld>
@@ -3601,7 +3587,7 @@
           <p:cNvPr id="2" name="Заголовок 1">
             <a:extLst>
               <a:ext uri="{FF2B5EF4-FFF2-40B4-BE49-F238E27FC236}">
-                <a16:creationId xmlns:a16="http://schemas.microsoft.com/office/drawing/2014/main" id="{2D307101-CB4E-4342-B4D3-EC25C0528E92}"/>
+                <a16:creationId xmlns:a16="http://schemas.microsoft.com/office/drawing/2014/main" id="{52313E15-438A-9741-9918-FD323E308E05}"/>
               </a:ext>
             </a:extLst>
           </p:cNvPr>
@@ -3613,6 +3599,43 @@
           </p:nvPr>
         </p:nvSpPr>
         <p:spPr/>
+        <p:txBody>
+          <a:bodyPr/>
+          <a:lstStyle/>
+          <a:p>
+            <a:r>
+              <a:rPr lang="ru-RU" b="1" dirty="0" err="1"/>
+              <a:t>Шевнин</a:t>
+            </a:r>
+            <a:r>
+              <a:rPr lang="ru-RU" b="1" dirty="0"/>
+              <a:t>   Артем</a:t>
+            </a:r>
+          </a:p>
+        </p:txBody>
+      </p:sp>
+      <p:sp>
+        <p:nvSpPr>
+          <p:cNvPr id="3" name="Объект 2">
+            <a:extLst>
+              <a:ext uri="{FF2B5EF4-FFF2-40B4-BE49-F238E27FC236}">
+                <a16:creationId xmlns:a16="http://schemas.microsoft.com/office/drawing/2014/main" id="{B817D8AA-8452-BA48-9AE1-E3E8A4994B2F}"/>
+              </a:ext>
+            </a:extLst>
+          </p:cNvPr>
+          <p:cNvSpPr>
+            <a:spLocks noGrp="1"/>
+          </p:cNvSpPr>
+          <p:nvPr>
+            <p:ph idx="1"/>
+          </p:nvPr>
+        </p:nvSpPr>
+        <p:spPr>
+          <a:xfrm>
+            <a:off x="838200" y="2141537"/>
+            <a:ext cx="10515600" cy="4351338"/>
+          </a:xfrm>
+        </p:spPr>
         <p:txBody>
           <a:bodyPr>
             <a:normAutofit/>
@@ -3620,68 +3643,28 @@
           <a:lstStyle/>
           <a:p>
             <a:r>
-              <a:rPr lang="ru-RU" b="1" dirty="0"/>
-              <a:t>Воякин  Алексей</a:t>
-            </a:r>
-          </a:p>
-        </p:txBody>
-      </p:sp>
-      <p:sp>
-        <p:nvSpPr>
-          <p:cNvPr id="3" name="Объект 2">
-            <a:extLst>
-              <a:ext uri="{FF2B5EF4-FFF2-40B4-BE49-F238E27FC236}">
-                <a16:creationId xmlns:a16="http://schemas.microsoft.com/office/drawing/2014/main" id="{85896007-97E6-DB45-AC92-D4214F1152F2}"/>
-              </a:ext>
-            </a:extLst>
-          </p:cNvPr>
-          <p:cNvSpPr>
-            <a:spLocks noGrp="1"/>
-          </p:cNvSpPr>
-          <p:nvPr>
-            <p:ph idx="1"/>
-          </p:nvPr>
-        </p:nvSpPr>
-        <p:spPr>
-          <a:xfrm>
-            <a:off x="838200" y="2410753"/>
-            <a:ext cx="10515600" cy="4351338"/>
-          </a:xfrm>
-        </p:spPr>
-        <p:txBody>
-          <a:bodyPr/>
-          <a:lstStyle/>
-          <a:p>
-            <a:r>
               <a:rPr lang="ru-RU" sz="3200" i="1" dirty="0"/>
-              <a:t>Создание баз данных и налаживание их с серверами</a:t>
+              <a:t>Написание кода, отвечающего за функционал связанный с объявлениями</a:t>
             </a:r>
           </a:p>
           <a:p>
             <a:pPr marL="0" indent="0">
               <a:buNone/>
             </a:pPr>
+            <a:endParaRPr lang="ru-RU" sz="3200" i="1" dirty="0"/>
+          </a:p>
+          <a:p>
             <a:r>
               <a:rPr lang="ru-RU" sz="3200" i="1" dirty="0"/>
-              <a:t> </a:t>
-            </a:r>
-          </a:p>
-          <a:p>
-            <a:r>
-              <a:rPr lang="ru-RU" sz="3200" i="1" dirty="0"/>
-              <a:t>Тестирование.</a:t>
-            </a:r>
-            <a:endParaRPr lang="ru-RU" sz="3200" dirty="0"/>
-          </a:p>
-          <a:p>
-            <a:endParaRPr lang="ru-RU" dirty="0"/>
+              <a:t> Тестирование. </a:t>
+            </a:r>
           </a:p>
         </p:txBody>
       </p:sp>
     </p:spTree>
     <p:extLst>
       <p:ext uri="{BB962C8B-B14F-4D97-AF65-F5344CB8AC3E}">
-        <p14:creationId xmlns:p14="http://schemas.microsoft.com/office/powerpoint/2010/main" val="440869954"/>
+        <p14:creationId xmlns:p14="http://schemas.microsoft.com/office/powerpoint/2010/main" val="1881185605"/>
       </p:ext>
     </p:extLst>
   </p:cSld>
@@ -3713,7 +3696,7 @@
           <p:cNvPr id="2" name="Заголовок 1">
             <a:extLst>
               <a:ext uri="{FF2B5EF4-FFF2-40B4-BE49-F238E27FC236}">
-                <a16:creationId xmlns:a16="http://schemas.microsoft.com/office/drawing/2014/main" id="{52313E15-438A-9741-9918-FD323E308E05}"/>
+                <a16:creationId xmlns:a16="http://schemas.microsoft.com/office/drawing/2014/main" id="{B5FF075F-908D-9446-A0C3-809EAE8C009F}"/>
               </a:ext>
             </a:extLst>
           </p:cNvPr>
@@ -3730,12 +3713,8 @@
           <a:lstStyle/>
           <a:p>
             <a:r>
-              <a:rPr lang="ru-RU" b="1" dirty="0" err="1"/>
-              <a:t>Шевнин</a:t>
-            </a:r>
-            <a:r>
               <a:rPr lang="ru-RU" b="1" dirty="0"/>
-              <a:t>   Артем</a:t>
+              <a:t>Воробьев Семен</a:t>
             </a:r>
           </a:p>
         </p:txBody>
@@ -3745,7 +3724,7 @@
           <p:cNvPr id="3" name="Объект 2">
             <a:extLst>
               <a:ext uri="{FF2B5EF4-FFF2-40B4-BE49-F238E27FC236}">
-                <a16:creationId xmlns:a16="http://schemas.microsoft.com/office/drawing/2014/main" id="{B817D8AA-8452-BA48-9AE1-E3E8A4994B2F}"/>
+                <a16:creationId xmlns:a16="http://schemas.microsoft.com/office/drawing/2014/main" id="{8ACCAAEA-07E2-B449-B891-7E238BAD88B5}"/>
               </a:ext>
             </a:extLst>
           </p:cNvPr>
@@ -3769,19 +3748,19 @@
           <a:lstStyle/>
           <a:p>
             <a:r>
-              <a:rPr lang="ru-RU" sz="3200" i="1" dirty="0"/>
-              <a:t>Написание кода, отвечающего за функционал связанный с объявлениями</a:t>
+              <a:rPr lang="ru-RU" sz="3200" dirty="0"/>
+              <a:t> Работа с серверами и базами данных</a:t>
             </a:r>
           </a:p>
           <a:p>
             <a:pPr marL="0" indent="0">
               <a:buNone/>
             </a:pPr>
-            <a:endParaRPr lang="ru-RU" sz="3200" i="1" dirty="0"/>
-          </a:p>
-          <a:p>
-            <a:r>
-              <a:rPr lang="ru-RU" sz="3200" i="1" dirty="0"/>
+            <a:endParaRPr lang="ru-RU" sz="3200" dirty="0"/>
+          </a:p>
+          <a:p>
+            <a:r>
+              <a:rPr lang="ru-RU" sz="3200" dirty="0"/>
               <a:t> Тестирование. </a:t>
             </a:r>
           </a:p>
@@ -3790,7 +3769,7 @@
     </p:spTree>
     <p:extLst>
       <p:ext uri="{BB962C8B-B14F-4D97-AF65-F5344CB8AC3E}">
-        <p14:creationId xmlns:p14="http://schemas.microsoft.com/office/powerpoint/2010/main" val="1881185605"/>
+        <p14:creationId xmlns:p14="http://schemas.microsoft.com/office/powerpoint/2010/main" val="2327184538"/>
       </p:ext>
     </p:extLst>
   </p:cSld>
@@ -3822,7 +3801,7 @@
           <p:cNvPr id="2" name="Заголовок 1">
             <a:extLst>
               <a:ext uri="{FF2B5EF4-FFF2-40B4-BE49-F238E27FC236}">
-                <a16:creationId xmlns:a16="http://schemas.microsoft.com/office/drawing/2014/main" id="{B5FF075F-908D-9446-A0C3-809EAE8C009F}"/>
+                <a16:creationId xmlns:a16="http://schemas.microsoft.com/office/drawing/2014/main" id="{60B7A16E-1158-ED48-B510-7B745B32DEC8}"/>
               </a:ext>
             </a:extLst>
           </p:cNvPr>
@@ -3839,9 +3818,17 @@
           <a:lstStyle/>
           <a:p>
             <a:r>
+              <a:rPr lang="ru-RU" b="1" dirty="0" err="1"/>
+              <a:t>Лемешкин</a:t>
+            </a:r>
+            <a:r>
               <a:rPr lang="ru-RU" b="1" dirty="0"/>
-              <a:t>Воробьев Семен</a:t>
-            </a:r>
+              <a:t> Богдан </a:t>
+            </a:r>
+            <a:br>
+              <a:rPr lang="ru-RU" dirty="0"/>
+            </a:br>
+            <a:endParaRPr lang="ru-RU" dirty="0"/>
           </a:p>
         </p:txBody>
       </p:sp>
@@ -3850,7 +3837,7 @@
           <p:cNvPr id="3" name="Объект 2">
             <a:extLst>
               <a:ext uri="{FF2B5EF4-FFF2-40B4-BE49-F238E27FC236}">
-                <a16:creationId xmlns:a16="http://schemas.microsoft.com/office/drawing/2014/main" id="{8ACCAAEA-07E2-B449-B891-7E238BAD88B5}"/>
+                <a16:creationId xmlns:a16="http://schemas.microsoft.com/office/drawing/2014/main" id="{B9226962-7801-FA4E-B53C-55A24C1F594E}"/>
               </a:ext>
             </a:extLst>
           </p:cNvPr>
@@ -3863,39 +3850,41 @@
         </p:nvSpPr>
         <p:spPr>
           <a:xfrm>
-            <a:off x="838200" y="2141537"/>
+            <a:off x="697523" y="2424821"/>
             <a:ext cx="10515600" cy="4351338"/>
           </a:xfrm>
         </p:spPr>
         <p:txBody>
-          <a:bodyPr>
-            <a:normAutofit/>
-          </a:bodyPr>
-          <a:lstStyle/>
-          <a:p>
-            <a:r>
-              <a:rPr lang="ru-RU" sz="3200" dirty="0"/>
-              <a:t> Работа с серверами и базами данных</a:t>
+          <a:bodyPr/>
+          <a:lstStyle/>
+          <a:p>
+            <a:r>
+              <a:rPr lang="ru-RU" sz="3200" i="1" dirty="0"/>
+              <a:t>Написание кода, отвечающего за функционал связанный с вопросами</a:t>
             </a:r>
           </a:p>
           <a:p>
             <a:pPr marL="0" indent="0">
               <a:buNone/>
             </a:pPr>
+            <a:endParaRPr lang="ru-RU" sz="3200" i="1" dirty="0"/>
+          </a:p>
+          <a:p>
+            <a:r>
+              <a:rPr lang="ru-RU" sz="3200" i="1" dirty="0"/>
+              <a:t> Тестирование.</a:t>
+            </a:r>
             <a:endParaRPr lang="ru-RU" sz="3200" dirty="0"/>
           </a:p>
           <a:p>
-            <a:r>
-              <a:rPr lang="ru-RU" sz="3200" dirty="0"/>
-              <a:t> Тестирование. </a:t>
-            </a:r>
+            <a:endParaRPr lang="ru-RU" dirty="0"/>
           </a:p>
         </p:txBody>
       </p:sp>
     </p:spTree>
     <p:extLst>
       <p:ext uri="{BB962C8B-B14F-4D97-AF65-F5344CB8AC3E}">
-        <p14:creationId xmlns:p14="http://schemas.microsoft.com/office/powerpoint/2010/main" val="2327184538"/>
+        <p14:creationId xmlns:p14="http://schemas.microsoft.com/office/powerpoint/2010/main" val="3133176647"/>
       </p:ext>
     </p:extLst>
   </p:cSld>
@@ -3927,121 +3916,6 @@
           <p:cNvPr id="2" name="Заголовок 1">
             <a:extLst>
               <a:ext uri="{FF2B5EF4-FFF2-40B4-BE49-F238E27FC236}">
-                <a16:creationId xmlns:a16="http://schemas.microsoft.com/office/drawing/2014/main" id="{60B7A16E-1158-ED48-B510-7B745B32DEC8}"/>
-              </a:ext>
-            </a:extLst>
-          </p:cNvPr>
-          <p:cNvSpPr>
-            <a:spLocks noGrp="1"/>
-          </p:cNvSpPr>
-          <p:nvPr>
-            <p:ph type="title"/>
-          </p:nvPr>
-        </p:nvSpPr>
-        <p:spPr/>
-        <p:txBody>
-          <a:bodyPr/>
-          <a:lstStyle/>
-          <a:p>
-            <a:r>
-              <a:rPr lang="ru-RU" b="1" dirty="0" err="1"/>
-              <a:t>Лемешкин</a:t>
-            </a:r>
-            <a:r>
-              <a:rPr lang="ru-RU" b="1" dirty="0"/>
-              <a:t> Богдан </a:t>
-            </a:r>
-            <a:br>
-              <a:rPr lang="ru-RU" dirty="0"/>
-            </a:br>
-            <a:endParaRPr lang="ru-RU" dirty="0"/>
-          </a:p>
-        </p:txBody>
-      </p:sp>
-      <p:sp>
-        <p:nvSpPr>
-          <p:cNvPr id="3" name="Объект 2">
-            <a:extLst>
-              <a:ext uri="{FF2B5EF4-FFF2-40B4-BE49-F238E27FC236}">
-                <a16:creationId xmlns:a16="http://schemas.microsoft.com/office/drawing/2014/main" id="{B9226962-7801-FA4E-B53C-55A24C1F594E}"/>
-              </a:ext>
-            </a:extLst>
-          </p:cNvPr>
-          <p:cNvSpPr>
-            <a:spLocks noGrp="1"/>
-          </p:cNvSpPr>
-          <p:nvPr>
-            <p:ph idx="1"/>
-          </p:nvPr>
-        </p:nvSpPr>
-        <p:spPr>
-          <a:xfrm>
-            <a:off x="697523" y="2424821"/>
-            <a:ext cx="10515600" cy="4351338"/>
-          </a:xfrm>
-        </p:spPr>
-        <p:txBody>
-          <a:bodyPr/>
-          <a:lstStyle/>
-          <a:p>
-            <a:r>
-              <a:rPr lang="ru-RU" sz="3200" i="1" dirty="0"/>
-              <a:t>Написание кода, отвечающего за функционал связанный с вопросами</a:t>
-            </a:r>
-          </a:p>
-          <a:p>
-            <a:pPr marL="0" indent="0">
-              <a:buNone/>
-            </a:pPr>
-            <a:endParaRPr lang="ru-RU" sz="3200" i="1" dirty="0"/>
-          </a:p>
-          <a:p>
-            <a:r>
-              <a:rPr lang="ru-RU" sz="3200" i="1" dirty="0"/>
-              <a:t> Тестирование.</a:t>
-            </a:r>
-            <a:endParaRPr lang="ru-RU" sz="3200" dirty="0"/>
-          </a:p>
-          <a:p>
-            <a:endParaRPr lang="ru-RU" dirty="0"/>
-          </a:p>
-        </p:txBody>
-      </p:sp>
-    </p:spTree>
-    <p:extLst>
-      <p:ext uri="{BB962C8B-B14F-4D97-AF65-F5344CB8AC3E}">
-        <p14:creationId xmlns:p14="http://schemas.microsoft.com/office/powerpoint/2010/main" val="3133176647"/>
-      </p:ext>
-    </p:extLst>
-  </p:cSld>
-  <p:clrMapOvr>
-    <a:masterClrMapping/>
-  </p:clrMapOvr>
-</p:sld>
-</file>
-
-<file path=ppt/slides/slide15.xml><?xml version="1.0" encoding="utf-8"?>
-<p:sld xmlns:a="http://schemas.openxmlformats.org/drawingml/2006/main" xmlns:r="http://schemas.openxmlformats.org/officeDocument/2006/relationships" xmlns:p="http://schemas.openxmlformats.org/presentationml/2006/main">
-  <p:cSld>
-    <p:spTree>
-      <p:nvGrpSpPr>
-        <p:cNvPr id="1" name=""/>
-        <p:cNvGrpSpPr/>
-        <p:nvPr/>
-      </p:nvGrpSpPr>
-      <p:grpSpPr>
-        <a:xfrm>
-          <a:off x="0" y="0"/>
-          <a:ext cx="0" cy="0"/>
-          <a:chOff x="0" y="0"/>
-          <a:chExt cx="0" cy="0"/>
-        </a:xfrm>
-      </p:grpSpPr>
-      <p:sp>
-        <p:nvSpPr>
-          <p:cNvPr id="2" name="Заголовок 1">
-            <a:extLst>
-              <a:ext uri="{FF2B5EF4-FFF2-40B4-BE49-F238E27FC236}">
                 <a16:creationId xmlns:a16="http://schemas.microsoft.com/office/drawing/2014/main" id="{726D9463-51FB-A747-83AD-4B2A8722D971}"/>
               </a:ext>
             </a:extLst>
@@ -4139,7 +4013,7 @@
 </p:sld>
 </file>
 
-<file path=ppt/slides/slide16.xml><?xml version="1.0" encoding="utf-8"?>
+<file path=ppt/slides/slide15.xml><?xml version="1.0" encoding="utf-8"?>
 <p:sld xmlns:a="http://schemas.openxmlformats.org/drawingml/2006/main" xmlns:r="http://schemas.openxmlformats.org/officeDocument/2006/relationships" xmlns:p="http://schemas.openxmlformats.org/presentationml/2006/main">
   <p:cSld>
     <p:spTree>
@@ -5341,7 +5215,7 @@
           <p:cNvPr id="2" name="Заголовок 1">
             <a:extLst>
               <a:ext uri="{FF2B5EF4-FFF2-40B4-BE49-F238E27FC236}">
-                <a16:creationId xmlns:a16="http://schemas.microsoft.com/office/drawing/2014/main" id="{E7B63B9B-4CF6-0043-9F7F-97BE831B47A6}"/>
+                <a16:creationId xmlns:a16="http://schemas.microsoft.com/office/drawing/2014/main" id="{72823CF9-4A49-3D40-9A5F-07B1F18BBDAD}"/>
               </a:ext>
             </a:extLst>
           </p:cNvPr>
@@ -5352,53 +5226,106 @@
             <p:ph type="title"/>
           </p:nvPr>
         </p:nvSpPr>
-        <p:spPr/>
-        <p:txBody>
-          <a:bodyPr/>
-          <a:lstStyle/>
-          <a:p>
-            <a:pPr algn="ctr"/>
-            <a:r>
-              <a:rPr lang="ru-RU" dirty="0"/>
-              <a:t>Модель базы данных</a:t>
-            </a:r>
-          </a:p>
-        </p:txBody>
-      </p:sp>
-      <p:pic>
-        <p:nvPicPr>
-          <p:cNvPr id="4" name="Рисунок 3">
-            <a:extLst>
-              <a:ext uri="{FF2B5EF4-FFF2-40B4-BE49-F238E27FC236}">
-                <a16:creationId xmlns:a16="http://schemas.microsoft.com/office/drawing/2014/main" id="{EA0D9141-598C-074B-97BC-C718EF7660F5}"/>
-              </a:ext>
-            </a:extLst>
-          </p:cNvPr>
-          <p:cNvPicPr>
-            <a:picLocks noChangeAspect="1"/>
-          </p:cNvPicPr>
-          <p:nvPr/>
-        </p:nvPicPr>
-        <p:blipFill>
-          <a:blip r:embed="rId2"/>
-          <a:stretch>
-            <a:fillRect/>
-          </a:stretch>
-        </p:blipFill>
         <p:spPr>
           <a:xfrm>
-            <a:off x="1496667" y="1440412"/>
-            <a:ext cx="9499324" cy="5052463"/>
+            <a:off x="838200" y="801223"/>
+            <a:ext cx="10515600" cy="1325563"/>
           </a:xfrm>
-          <a:prstGeom prst="rect">
-            <a:avLst/>
-          </a:prstGeom>
         </p:spPr>
-      </p:pic>
+        <p:txBody>
+          <a:bodyPr>
+            <a:normAutofit fontScale="90000"/>
+          </a:bodyPr>
+          <a:lstStyle/>
+          <a:p>
+            <a:r>
+              <a:rPr lang="ru-RU" sz="5300" b="1" dirty="0"/>
+              <a:t>                  Распределение задач </a:t>
+            </a:r>
+            <a:br>
+              <a:rPr lang="ru-RU" b="1" dirty="0"/>
+            </a:br>
+            <a:br>
+              <a:rPr lang="ru-RU" b="1" dirty="0"/>
+            </a:br>
+            <a:r>
+              <a:rPr lang="ru-RU" b="1" dirty="0" err="1"/>
+              <a:t>Трунцев</a:t>
+            </a:r>
+            <a:r>
+              <a:rPr lang="ru-RU" b="1" dirty="0"/>
+              <a:t>  Георгий</a:t>
+            </a:r>
+          </a:p>
+        </p:txBody>
+      </p:sp>
+      <p:sp>
+        <p:nvSpPr>
+          <p:cNvPr id="3" name="Объект 2">
+            <a:extLst>
+              <a:ext uri="{FF2B5EF4-FFF2-40B4-BE49-F238E27FC236}">
+                <a16:creationId xmlns:a16="http://schemas.microsoft.com/office/drawing/2014/main" id="{D4348394-6BF7-7E4F-BA59-256DCC019ED3}"/>
+              </a:ext>
+            </a:extLst>
+          </p:cNvPr>
+          <p:cNvSpPr>
+            <a:spLocks noGrp="1"/>
+          </p:cNvSpPr>
+          <p:nvPr>
+            <p:ph idx="1"/>
+          </p:nvPr>
+        </p:nvSpPr>
+        <p:spPr>
+          <a:xfrm>
+            <a:off x="838200" y="2683753"/>
+            <a:ext cx="10515600" cy="4351338"/>
+          </a:xfrm>
+        </p:spPr>
+        <p:txBody>
+          <a:bodyPr>
+            <a:normAutofit/>
+          </a:bodyPr>
+          <a:lstStyle/>
+          <a:p>
+            <a:r>
+              <a:rPr lang="ru-RU" sz="3600" dirty="0"/>
+              <a:t> </a:t>
+            </a:r>
+            <a:r>
+              <a:rPr lang="ru-RU" sz="3200" dirty="0"/>
+              <a:t>Создание удобного интерфейса</a:t>
+            </a:r>
+          </a:p>
+          <a:p>
+            <a:pPr marL="0" indent="0">
+              <a:buNone/>
+            </a:pPr>
+            <a:endParaRPr lang="ru-RU" sz="3200" dirty="0"/>
+          </a:p>
+          <a:p>
+            <a:r>
+              <a:rPr lang="ru-RU" sz="3200" dirty="0"/>
+              <a:t> Связь кнопок приложения с функциями бота </a:t>
+            </a:r>
+          </a:p>
+          <a:p>
+            <a:pPr marL="0" indent="0">
+              <a:buNone/>
+            </a:pPr>
+            <a:endParaRPr lang="ru-RU" sz="3200" dirty="0"/>
+          </a:p>
+          <a:p>
+            <a:r>
+              <a:rPr lang="ru-RU" sz="3200" dirty="0"/>
+              <a:t> Тестирование. </a:t>
+            </a:r>
+          </a:p>
+        </p:txBody>
+      </p:sp>
     </p:spTree>
     <p:extLst>
       <p:ext uri="{BB962C8B-B14F-4D97-AF65-F5344CB8AC3E}">
-        <p14:creationId xmlns:p14="http://schemas.microsoft.com/office/powerpoint/2010/main" val="3394496261"/>
+        <p14:creationId xmlns:p14="http://schemas.microsoft.com/office/powerpoint/2010/main" val="348112190"/>
       </p:ext>
     </p:extLst>
   </p:cSld>
